--- a/trunk/doc/RecULike.pptx
+++ b/trunk/doc/RecULike.pptx
@@ -13,6 +13,7 @@
     <p:sldId id="261" r:id="rId7"/>
     <p:sldId id="262" r:id="rId8"/>
     <p:sldId id="263" r:id="rId9"/>
+    <p:sldId id="264" r:id="rId10"/>
   </p:sldIdLst>
   <p:sldSz cx="9144000" cy="6858000" type="screen4x3"/>
   <p:notesSz cx="6858000" cy="9144000"/>
@@ -295,7 +296,8 @@
           <a:p>
             <a:fld id="{F002D63B-4BD2-42AF-A688-7A4C09788D27}" type="datetimeFigureOut">
               <a:rPr lang="zh-CN" altLang="en-US" smtClean="0"/>
-              <a:t>2011/8/26</a:t>
+              <a:pPr/>
+              <a:t>2011/8/27</a:t>
             </a:fld>
             <a:endParaRPr lang="zh-CN" altLang="en-US"/>
           </a:p>
@@ -337,6 +339,7 @@
           <a:p>
             <a:fld id="{838B003A-0D02-4B6B-980B-CC66BA467E10}" type="slidenum">
               <a:rPr lang="zh-CN" altLang="en-US" smtClean="0"/>
+              <a:pPr/>
               <a:t>‹#›</a:t>
             </a:fld>
             <a:endParaRPr lang="zh-CN" altLang="en-US"/>
@@ -460,7 +463,8 @@
           <a:p>
             <a:fld id="{F002D63B-4BD2-42AF-A688-7A4C09788D27}" type="datetimeFigureOut">
               <a:rPr lang="zh-CN" altLang="en-US" smtClean="0"/>
-              <a:t>2011/8/26</a:t>
+              <a:pPr/>
+              <a:t>2011/8/27</a:t>
             </a:fld>
             <a:endParaRPr lang="zh-CN" altLang="en-US"/>
           </a:p>
@@ -502,6 +506,7 @@
           <a:p>
             <a:fld id="{838B003A-0D02-4B6B-980B-CC66BA467E10}" type="slidenum">
               <a:rPr lang="zh-CN" altLang="en-US" smtClean="0"/>
+              <a:pPr/>
               <a:t>‹#›</a:t>
             </a:fld>
             <a:endParaRPr lang="zh-CN" altLang="en-US"/>
@@ -635,7 +640,8 @@
           <a:p>
             <a:fld id="{F002D63B-4BD2-42AF-A688-7A4C09788D27}" type="datetimeFigureOut">
               <a:rPr lang="zh-CN" altLang="en-US" smtClean="0"/>
-              <a:t>2011/8/26</a:t>
+              <a:pPr/>
+              <a:t>2011/8/27</a:t>
             </a:fld>
             <a:endParaRPr lang="zh-CN" altLang="en-US"/>
           </a:p>
@@ -677,6 +683,7 @@
           <a:p>
             <a:fld id="{838B003A-0D02-4B6B-980B-CC66BA467E10}" type="slidenum">
               <a:rPr lang="zh-CN" altLang="en-US" smtClean="0"/>
+              <a:pPr/>
               <a:t>‹#›</a:t>
             </a:fld>
             <a:endParaRPr lang="zh-CN" altLang="en-US"/>
@@ -800,7 +807,8 @@
           <a:p>
             <a:fld id="{F002D63B-4BD2-42AF-A688-7A4C09788D27}" type="datetimeFigureOut">
               <a:rPr lang="zh-CN" altLang="en-US" smtClean="0"/>
-              <a:t>2011/8/26</a:t>
+              <a:pPr/>
+              <a:t>2011/8/27</a:t>
             </a:fld>
             <a:endParaRPr lang="zh-CN" altLang="en-US"/>
           </a:p>
@@ -842,6 +850,7 @@
           <a:p>
             <a:fld id="{838B003A-0D02-4B6B-980B-CC66BA467E10}" type="slidenum">
               <a:rPr lang="zh-CN" altLang="en-US" smtClean="0"/>
+              <a:pPr/>
               <a:t>‹#›</a:t>
             </a:fld>
             <a:endParaRPr lang="zh-CN" altLang="en-US"/>
@@ -1041,7 +1050,8 @@
           <a:p>
             <a:fld id="{F002D63B-4BD2-42AF-A688-7A4C09788D27}" type="datetimeFigureOut">
               <a:rPr lang="zh-CN" altLang="en-US" smtClean="0"/>
-              <a:t>2011/8/26</a:t>
+              <a:pPr/>
+              <a:t>2011/8/27</a:t>
             </a:fld>
             <a:endParaRPr lang="zh-CN" altLang="en-US"/>
           </a:p>
@@ -1083,6 +1093,7 @@
           <a:p>
             <a:fld id="{838B003A-0D02-4B6B-980B-CC66BA467E10}" type="slidenum">
               <a:rPr lang="zh-CN" altLang="en-US" smtClean="0"/>
+              <a:pPr/>
               <a:t>‹#›</a:t>
             </a:fld>
             <a:endParaRPr lang="zh-CN" altLang="en-US"/>
@@ -1324,7 +1335,8 @@
           <a:p>
             <a:fld id="{F002D63B-4BD2-42AF-A688-7A4C09788D27}" type="datetimeFigureOut">
               <a:rPr lang="zh-CN" altLang="en-US" smtClean="0"/>
-              <a:t>2011/8/26</a:t>
+              <a:pPr/>
+              <a:t>2011/8/27</a:t>
             </a:fld>
             <a:endParaRPr lang="zh-CN" altLang="en-US"/>
           </a:p>
@@ -1366,6 +1378,7 @@
           <a:p>
             <a:fld id="{838B003A-0D02-4B6B-980B-CC66BA467E10}" type="slidenum">
               <a:rPr lang="zh-CN" altLang="en-US" smtClean="0"/>
+              <a:pPr/>
               <a:t>‹#›</a:t>
             </a:fld>
             <a:endParaRPr lang="zh-CN" altLang="en-US"/>
@@ -1741,7 +1754,8 @@
           <a:p>
             <a:fld id="{F002D63B-4BD2-42AF-A688-7A4C09788D27}" type="datetimeFigureOut">
               <a:rPr lang="zh-CN" altLang="en-US" smtClean="0"/>
-              <a:t>2011/8/26</a:t>
+              <a:pPr/>
+              <a:t>2011/8/27</a:t>
             </a:fld>
             <a:endParaRPr lang="zh-CN" altLang="en-US"/>
           </a:p>
@@ -1783,6 +1797,7 @@
           <a:p>
             <a:fld id="{838B003A-0D02-4B6B-980B-CC66BA467E10}" type="slidenum">
               <a:rPr lang="zh-CN" altLang="en-US" smtClean="0"/>
+              <a:pPr/>
               <a:t>‹#›</a:t>
             </a:fld>
             <a:endParaRPr lang="zh-CN" altLang="en-US"/>
@@ -1854,7 +1869,8 @@
           <a:p>
             <a:fld id="{F002D63B-4BD2-42AF-A688-7A4C09788D27}" type="datetimeFigureOut">
               <a:rPr lang="zh-CN" altLang="en-US" smtClean="0"/>
-              <a:t>2011/8/26</a:t>
+              <a:pPr/>
+              <a:t>2011/8/27</a:t>
             </a:fld>
             <a:endParaRPr lang="zh-CN" altLang="en-US"/>
           </a:p>
@@ -1896,6 +1912,7 @@
           <a:p>
             <a:fld id="{838B003A-0D02-4B6B-980B-CC66BA467E10}" type="slidenum">
               <a:rPr lang="zh-CN" altLang="en-US" smtClean="0"/>
+              <a:pPr/>
               <a:t>‹#›</a:t>
             </a:fld>
             <a:endParaRPr lang="zh-CN" altLang="en-US"/>
@@ -1944,7 +1961,8 @@
           <a:p>
             <a:fld id="{F002D63B-4BD2-42AF-A688-7A4C09788D27}" type="datetimeFigureOut">
               <a:rPr lang="zh-CN" altLang="en-US" smtClean="0"/>
-              <a:t>2011/8/26</a:t>
+              <a:pPr/>
+              <a:t>2011/8/27</a:t>
             </a:fld>
             <a:endParaRPr lang="zh-CN" altLang="en-US"/>
           </a:p>
@@ -1986,6 +2004,7 @@
           <a:p>
             <a:fld id="{838B003A-0D02-4B6B-980B-CC66BA467E10}" type="slidenum">
               <a:rPr lang="zh-CN" altLang="en-US" smtClean="0"/>
+              <a:pPr/>
               <a:t>‹#›</a:t>
             </a:fld>
             <a:endParaRPr lang="zh-CN" altLang="en-US"/>
@@ -2216,7 +2235,8 @@
           <a:p>
             <a:fld id="{F002D63B-4BD2-42AF-A688-7A4C09788D27}" type="datetimeFigureOut">
               <a:rPr lang="zh-CN" altLang="en-US" smtClean="0"/>
-              <a:t>2011/8/26</a:t>
+              <a:pPr/>
+              <a:t>2011/8/27</a:t>
             </a:fld>
             <a:endParaRPr lang="zh-CN" altLang="en-US"/>
           </a:p>
@@ -2258,6 +2278,7 @@
           <a:p>
             <a:fld id="{838B003A-0D02-4B6B-980B-CC66BA467E10}" type="slidenum">
               <a:rPr lang="zh-CN" altLang="en-US" smtClean="0"/>
+              <a:pPr/>
               <a:t>‹#›</a:t>
             </a:fld>
             <a:endParaRPr lang="zh-CN" altLang="en-US"/>
@@ -2464,7 +2485,8 @@
           <a:p>
             <a:fld id="{F002D63B-4BD2-42AF-A688-7A4C09788D27}" type="datetimeFigureOut">
               <a:rPr lang="zh-CN" altLang="en-US" smtClean="0"/>
-              <a:t>2011/8/26</a:t>
+              <a:pPr/>
+              <a:t>2011/8/27</a:t>
             </a:fld>
             <a:endParaRPr lang="zh-CN" altLang="en-US"/>
           </a:p>
@@ -2506,6 +2528,7 @@
           <a:p>
             <a:fld id="{838B003A-0D02-4B6B-980B-CC66BA467E10}" type="slidenum">
               <a:rPr lang="zh-CN" altLang="en-US" smtClean="0"/>
+              <a:pPr/>
               <a:t>‹#›</a:t>
             </a:fld>
             <a:endParaRPr lang="zh-CN" altLang="en-US"/>
@@ -2672,7 +2695,8 @@
           <a:p>
             <a:fld id="{F002D63B-4BD2-42AF-A688-7A4C09788D27}" type="datetimeFigureOut">
               <a:rPr lang="zh-CN" altLang="en-US" smtClean="0"/>
-              <a:t>2011/8/26</a:t>
+              <a:pPr/>
+              <a:t>2011/8/27</a:t>
             </a:fld>
             <a:endParaRPr lang="zh-CN" altLang="en-US"/>
           </a:p>
@@ -2750,6 +2774,7 @@
           <a:p>
             <a:fld id="{838B003A-0D02-4B6B-980B-CC66BA467E10}" type="slidenum">
               <a:rPr lang="zh-CN" altLang="en-US" smtClean="0"/>
+              <a:pPr/>
               <a:t>‹#›</a:t>
             </a:fld>
             <a:endParaRPr lang="zh-CN" altLang="en-US"/>
@@ -4987,22 +5012,1120 @@
           </a:p>
           <a:p>
             <a:r>
-              <a:rPr lang="en-US" altLang="zh-CN" smtClean="0"/>
-              <a:t>Content Filtering</a:t>
+              <a:rPr lang="en-US" altLang="zh-CN" dirty="0" smtClean="0"/>
+              <a:t>Item-based Method</a:t>
             </a:r>
             <a:endParaRPr lang="en-US" altLang="zh-CN" dirty="0" smtClean="0"/>
           </a:p>
           <a:p>
+            <a:endParaRPr lang="zh-CN" altLang="en-US" dirty="0"/>
+          </a:p>
+        </p:txBody>
+      </p:sp>
+    </p:spTree>
+  </p:cSld>
+  <p:clrMapOvr>
+    <a:masterClrMapping/>
+  </p:clrMapOvr>
+</p:sld>
+</file>
+
+<file path=ppt/slides/slide9.xml><?xml version="1.0" encoding="utf-8"?>
+<p:sld xmlns:a="http://schemas.openxmlformats.org/drawingml/2006/main" xmlns:r="http://schemas.openxmlformats.org/officeDocument/2006/relationships" xmlns:p="http://schemas.openxmlformats.org/presentationml/2006/main">
+  <p:cSld>
+    <p:spTree>
+      <p:nvGrpSpPr>
+        <p:cNvPr id="1" name=""/>
+        <p:cNvGrpSpPr/>
+        <p:nvPr/>
+      </p:nvGrpSpPr>
+      <p:grpSpPr>
+        <a:xfrm>
+          <a:off x="0" y="0"/>
+          <a:ext cx="0" cy="0"/>
+          <a:chOff x="0" y="0"/>
+          <a:chExt cx="0" cy="0"/>
+        </a:xfrm>
+      </p:grpSpPr>
+      <p:sp>
+        <p:nvSpPr>
+          <p:cNvPr id="2" name="标题 1"/>
+          <p:cNvSpPr>
+            <a:spLocks noGrp="1"/>
+          </p:cNvSpPr>
+          <p:nvPr>
+            <p:ph type="title"/>
+          </p:nvPr>
+        </p:nvSpPr>
+        <p:spPr/>
+        <p:txBody>
+          <a:bodyPr/>
+          <a:lstStyle/>
+          <a:p>
             <a:r>
               <a:rPr lang="en-US" altLang="zh-CN" dirty="0" smtClean="0"/>
-              <a:t>Collaborative Filtering</a:t>
-            </a:r>
-          </a:p>
-          <a:p>
+              <a:t>Item-based Method</a:t>
+            </a:r>
             <a:endParaRPr lang="zh-CN" altLang="en-US" dirty="0"/>
           </a:p>
         </p:txBody>
       </p:sp>
+      <p:grpSp>
+        <p:nvGrpSpPr>
+          <p:cNvPr id="4" name="组合 3"/>
+          <p:cNvGrpSpPr/>
+          <p:nvPr/>
+        </p:nvGrpSpPr>
+        <p:grpSpPr>
+          <a:xfrm>
+            <a:off x="357158" y="1428736"/>
+            <a:ext cx="8501122" cy="5143536"/>
+            <a:chOff x="357158" y="1428736"/>
+            <a:chExt cx="8501122" cy="5143536"/>
+          </a:xfrm>
+        </p:grpSpPr>
+        <p:sp>
+          <p:nvSpPr>
+            <p:cNvPr id="5" name="圆柱形 4"/>
+            <p:cNvSpPr/>
+            <p:nvPr/>
+          </p:nvSpPr>
+          <p:spPr>
+            <a:xfrm>
+              <a:off x="2071670" y="1428736"/>
+              <a:ext cx="1357322" cy="1143008"/>
+            </a:xfrm>
+            <a:prstGeom prst="can">
+              <a:avLst/>
+            </a:prstGeom>
+          </p:spPr>
+          <p:style>
+            <a:lnRef idx="1">
+              <a:schemeClr val="accent1"/>
+            </a:lnRef>
+            <a:fillRef idx="3">
+              <a:schemeClr val="accent1"/>
+            </a:fillRef>
+            <a:effectRef idx="2">
+              <a:schemeClr val="accent1"/>
+            </a:effectRef>
+            <a:fontRef idx="minor">
+              <a:schemeClr val="lt1"/>
+            </a:fontRef>
+          </p:style>
+          <p:txBody>
+            <a:bodyPr rtlCol="0" anchor="ctr"/>
+            <a:lstStyle/>
+            <a:p>
+              <a:pPr algn="ctr"/>
+              <a:r>
+                <a:rPr lang="en-US" altLang="zh-CN" dirty="0" smtClean="0"/>
+                <a:t>User Behavior DB</a:t>
+              </a:r>
+              <a:endParaRPr lang="zh-CN" altLang="en-US" dirty="0"/>
+            </a:p>
+          </p:txBody>
+        </p:sp>
+        <p:sp>
+          <p:nvSpPr>
+            <p:cNvPr id="6" name="矩形 5"/>
+            <p:cNvSpPr/>
+            <p:nvPr/>
+          </p:nvSpPr>
+          <p:spPr>
+            <a:xfrm>
+              <a:off x="4143372" y="1714488"/>
+              <a:ext cx="2000264" cy="571504"/>
+            </a:xfrm>
+            <a:prstGeom prst="rect">
+              <a:avLst/>
+            </a:prstGeom>
+          </p:spPr>
+          <p:style>
+            <a:lnRef idx="1">
+              <a:schemeClr val="accent1"/>
+            </a:lnRef>
+            <a:fillRef idx="3">
+              <a:schemeClr val="accent1"/>
+            </a:fillRef>
+            <a:effectRef idx="2">
+              <a:schemeClr val="accent1"/>
+            </a:effectRef>
+            <a:fontRef idx="minor">
+              <a:schemeClr val="lt1"/>
+            </a:fontRef>
+          </p:style>
+          <p:txBody>
+            <a:bodyPr rtlCol="0" anchor="ctr"/>
+            <a:lstStyle/>
+            <a:p>
+              <a:pPr algn="ctr"/>
+              <a:r>
+                <a:rPr lang="en-US" altLang="zh-CN" dirty="0" smtClean="0"/>
+                <a:t>User Features</a:t>
+              </a:r>
+              <a:endParaRPr lang="zh-CN" altLang="en-US" dirty="0"/>
+            </a:p>
+          </p:txBody>
+        </p:sp>
+        <p:sp>
+          <p:nvSpPr>
+            <p:cNvPr id="7" name="矩形 6"/>
+            <p:cNvSpPr/>
+            <p:nvPr/>
+          </p:nvSpPr>
+          <p:spPr>
+            <a:xfrm>
+              <a:off x="4143372" y="2571744"/>
+              <a:ext cx="2000264" cy="571504"/>
+            </a:xfrm>
+            <a:prstGeom prst="rect">
+              <a:avLst/>
+            </a:prstGeom>
+          </p:spPr>
+          <p:style>
+            <a:lnRef idx="1">
+              <a:schemeClr val="accent1"/>
+            </a:lnRef>
+            <a:fillRef idx="3">
+              <a:schemeClr val="accent1"/>
+            </a:fillRef>
+            <a:effectRef idx="2">
+              <a:schemeClr val="accent1"/>
+            </a:effectRef>
+            <a:fontRef idx="minor">
+              <a:schemeClr val="lt1"/>
+            </a:fontRef>
+          </p:style>
+          <p:txBody>
+            <a:bodyPr rtlCol="0" anchor="ctr"/>
+            <a:lstStyle/>
+            <a:p>
+              <a:pPr algn="ctr"/>
+              <a:r>
+                <a:rPr lang="en-US" altLang="zh-CN" dirty="0" smtClean="0"/>
+                <a:t>Feature-Item Similarity Table</a:t>
+              </a:r>
+              <a:endParaRPr lang="zh-CN" altLang="en-US" dirty="0"/>
+            </a:p>
+          </p:txBody>
+        </p:sp>
+        <p:sp>
+          <p:nvSpPr>
+            <p:cNvPr id="8" name="矩形 7"/>
+            <p:cNvSpPr/>
+            <p:nvPr/>
+          </p:nvSpPr>
+          <p:spPr>
+            <a:xfrm>
+              <a:off x="4143372" y="3429000"/>
+              <a:ext cx="2000264" cy="571504"/>
+            </a:xfrm>
+            <a:prstGeom prst="rect">
+              <a:avLst/>
+            </a:prstGeom>
+          </p:spPr>
+          <p:style>
+            <a:lnRef idx="1">
+              <a:schemeClr val="accent3"/>
+            </a:lnRef>
+            <a:fillRef idx="3">
+              <a:schemeClr val="accent3"/>
+            </a:fillRef>
+            <a:effectRef idx="2">
+              <a:schemeClr val="accent3"/>
+            </a:effectRef>
+            <a:fontRef idx="minor">
+              <a:schemeClr val="lt1"/>
+            </a:fontRef>
+          </p:style>
+          <p:txBody>
+            <a:bodyPr rtlCol="0" anchor="ctr"/>
+            <a:lstStyle/>
+            <a:p>
+              <a:pPr algn="ctr"/>
+              <a:r>
+                <a:rPr lang="en-US" altLang="zh-CN" dirty="0" smtClean="0"/>
+                <a:t>Raw Recommendations</a:t>
+              </a:r>
+              <a:endParaRPr lang="zh-CN" altLang="en-US" dirty="0"/>
+            </a:p>
+          </p:txBody>
+        </p:sp>
+        <p:sp>
+          <p:nvSpPr>
+            <p:cNvPr id="9" name="矩形 8"/>
+            <p:cNvSpPr/>
+            <p:nvPr/>
+          </p:nvSpPr>
+          <p:spPr>
+            <a:xfrm>
+              <a:off x="4143372" y="4286256"/>
+              <a:ext cx="2000264" cy="571504"/>
+            </a:xfrm>
+            <a:prstGeom prst="rect">
+              <a:avLst/>
+            </a:prstGeom>
+          </p:spPr>
+          <p:style>
+            <a:lnRef idx="1">
+              <a:schemeClr val="accent1"/>
+            </a:lnRef>
+            <a:fillRef idx="3">
+              <a:schemeClr val="accent1"/>
+            </a:fillRef>
+            <a:effectRef idx="2">
+              <a:schemeClr val="accent1"/>
+            </a:effectRef>
+            <a:fontRef idx="minor">
+              <a:schemeClr val="lt1"/>
+            </a:fontRef>
+          </p:style>
+          <p:txBody>
+            <a:bodyPr rtlCol="0" anchor="ctr"/>
+            <a:lstStyle/>
+            <a:p>
+              <a:pPr algn="ctr"/>
+              <a:r>
+                <a:rPr lang="en-US" altLang="zh-CN" dirty="0" smtClean="0"/>
+                <a:t>Explanation</a:t>
+              </a:r>
+              <a:endParaRPr lang="zh-CN" altLang="en-US" dirty="0"/>
+            </a:p>
+          </p:txBody>
+        </p:sp>
+        <p:sp>
+          <p:nvSpPr>
+            <p:cNvPr id="10" name="矩形 9"/>
+            <p:cNvSpPr/>
+            <p:nvPr/>
+          </p:nvSpPr>
+          <p:spPr>
+            <a:xfrm>
+              <a:off x="4143372" y="5143512"/>
+              <a:ext cx="2000264" cy="571504"/>
+            </a:xfrm>
+            <a:prstGeom prst="rect">
+              <a:avLst/>
+            </a:prstGeom>
+          </p:spPr>
+          <p:style>
+            <a:lnRef idx="1">
+              <a:schemeClr val="accent1"/>
+            </a:lnRef>
+            <a:fillRef idx="3">
+              <a:schemeClr val="accent1"/>
+            </a:fillRef>
+            <a:effectRef idx="2">
+              <a:schemeClr val="accent1"/>
+            </a:effectRef>
+            <a:fontRef idx="minor">
+              <a:schemeClr val="lt1"/>
+            </a:fontRef>
+          </p:style>
+          <p:txBody>
+            <a:bodyPr rtlCol="0" anchor="ctr"/>
+            <a:lstStyle/>
+            <a:p>
+              <a:pPr algn="ctr"/>
+              <a:r>
+                <a:rPr lang="en-US" altLang="zh-CN" dirty="0" smtClean="0"/>
+                <a:t>Ranking &amp; Filtering</a:t>
+              </a:r>
+              <a:endParaRPr lang="zh-CN" altLang="en-US" dirty="0"/>
+            </a:p>
+          </p:txBody>
+        </p:sp>
+        <p:sp>
+          <p:nvSpPr>
+            <p:cNvPr id="11" name="矩形 10"/>
+            <p:cNvSpPr/>
+            <p:nvPr/>
+          </p:nvSpPr>
+          <p:spPr>
+            <a:xfrm>
+              <a:off x="4143372" y="6000768"/>
+              <a:ext cx="2000264" cy="571504"/>
+            </a:xfrm>
+            <a:prstGeom prst="rect">
+              <a:avLst/>
+            </a:prstGeom>
+          </p:spPr>
+          <p:style>
+            <a:lnRef idx="1">
+              <a:schemeClr val="accent3"/>
+            </a:lnRef>
+            <a:fillRef idx="3">
+              <a:schemeClr val="accent3"/>
+            </a:fillRef>
+            <a:effectRef idx="2">
+              <a:schemeClr val="accent3"/>
+            </a:effectRef>
+            <a:fontRef idx="minor">
+              <a:schemeClr val="lt1"/>
+            </a:fontRef>
+          </p:style>
+          <p:txBody>
+            <a:bodyPr rtlCol="0" anchor="ctr"/>
+            <a:lstStyle/>
+            <a:p>
+              <a:pPr algn="ctr"/>
+              <a:r>
+                <a:rPr lang="en-US" altLang="zh-CN" dirty="0" smtClean="0"/>
+                <a:t>Final Recommendations</a:t>
+              </a:r>
+              <a:endParaRPr lang="zh-CN" altLang="en-US" dirty="0"/>
+            </a:p>
+          </p:txBody>
+        </p:sp>
+        <p:sp>
+          <p:nvSpPr>
+            <p:cNvPr id="12" name="圆角矩形 11"/>
+            <p:cNvSpPr/>
+            <p:nvPr/>
+          </p:nvSpPr>
+          <p:spPr>
+            <a:xfrm>
+              <a:off x="1928794" y="3000372"/>
+              <a:ext cx="1643074" cy="1071570"/>
+            </a:xfrm>
+            <a:prstGeom prst="roundRect">
+              <a:avLst/>
+            </a:prstGeom>
+          </p:spPr>
+          <p:style>
+            <a:lnRef idx="1">
+              <a:schemeClr val="accent4"/>
+            </a:lnRef>
+            <a:fillRef idx="3">
+              <a:schemeClr val="accent4"/>
+            </a:fillRef>
+            <a:effectRef idx="2">
+              <a:schemeClr val="accent4"/>
+            </a:effectRef>
+            <a:fontRef idx="minor">
+              <a:schemeClr val="lt1"/>
+            </a:fontRef>
+          </p:style>
+          <p:txBody>
+            <a:bodyPr rtlCol="0" anchor="ctr"/>
+            <a:lstStyle/>
+            <a:p>
+              <a:pPr algn="ctr"/>
+              <a:r>
+                <a:rPr lang="en-US" altLang="zh-CN" dirty="0" smtClean="0"/>
+                <a:t>Log System</a:t>
+              </a:r>
+              <a:endParaRPr lang="zh-CN" altLang="en-US" dirty="0"/>
+            </a:p>
+          </p:txBody>
+        </p:sp>
+        <p:cxnSp>
+          <p:nvCxnSpPr>
+            <p:cNvPr id="13" name="直接箭头连接符 12"/>
+            <p:cNvCxnSpPr>
+              <a:stCxn id="12" idx="0"/>
+              <a:endCxn id="5" idx="3"/>
+            </p:cNvCxnSpPr>
+            <p:nvPr/>
+          </p:nvCxnSpPr>
+          <p:spPr>
+            <a:xfrm rot="5400000" flipH="1" flipV="1">
+              <a:off x="2536017" y="2786058"/>
+              <a:ext cx="428628" cy="1588"/>
+            </a:xfrm>
+            <a:prstGeom prst="straightConnector1">
+              <a:avLst/>
+            </a:prstGeom>
+            <a:ln>
+              <a:tailEnd type="arrow"/>
+            </a:ln>
+          </p:spPr>
+          <p:style>
+            <a:lnRef idx="1">
+              <a:schemeClr val="accent1"/>
+            </a:lnRef>
+            <a:fillRef idx="0">
+              <a:schemeClr val="accent1"/>
+            </a:fillRef>
+            <a:effectRef idx="0">
+              <a:schemeClr val="accent1"/>
+            </a:effectRef>
+            <a:fontRef idx="minor">
+              <a:schemeClr val="tx1"/>
+            </a:fontRef>
+          </p:style>
+        </p:cxnSp>
+        <p:cxnSp>
+          <p:nvCxnSpPr>
+            <p:cNvPr id="14" name="直接箭头连接符 13"/>
+            <p:cNvCxnSpPr>
+              <a:stCxn id="5" idx="4"/>
+              <a:endCxn id="6" idx="1"/>
+            </p:cNvCxnSpPr>
+            <p:nvPr/>
+          </p:nvCxnSpPr>
+          <p:spPr>
+            <a:xfrm>
+              <a:off x="3428992" y="2000240"/>
+              <a:ext cx="714380" cy="1588"/>
+            </a:xfrm>
+            <a:prstGeom prst="straightConnector1">
+              <a:avLst/>
+            </a:prstGeom>
+            <a:ln>
+              <a:tailEnd type="arrow"/>
+            </a:ln>
+          </p:spPr>
+          <p:style>
+            <a:lnRef idx="1">
+              <a:schemeClr val="accent1"/>
+            </a:lnRef>
+            <a:fillRef idx="0">
+              <a:schemeClr val="accent1"/>
+            </a:fillRef>
+            <a:effectRef idx="0">
+              <a:schemeClr val="accent1"/>
+            </a:effectRef>
+            <a:fontRef idx="minor">
+              <a:schemeClr val="tx1"/>
+            </a:fontRef>
+          </p:style>
+        </p:cxnSp>
+        <p:cxnSp>
+          <p:nvCxnSpPr>
+            <p:cNvPr id="15" name="直接箭头连接符 14"/>
+            <p:cNvCxnSpPr>
+              <a:stCxn id="6" idx="2"/>
+              <a:endCxn id="7" idx="0"/>
+            </p:cNvCxnSpPr>
+            <p:nvPr/>
+          </p:nvCxnSpPr>
+          <p:spPr>
+            <a:xfrm rot="5400000">
+              <a:off x="5000628" y="2428868"/>
+              <a:ext cx="285752" cy="1588"/>
+            </a:xfrm>
+            <a:prstGeom prst="straightConnector1">
+              <a:avLst/>
+            </a:prstGeom>
+            <a:ln>
+              <a:tailEnd type="arrow"/>
+            </a:ln>
+          </p:spPr>
+          <p:style>
+            <a:lnRef idx="1">
+              <a:schemeClr val="accent1"/>
+            </a:lnRef>
+            <a:fillRef idx="0">
+              <a:schemeClr val="accent1"/>
+            </a:fillRef>
+            <a:effectRef idx="0">
+              <a:schemeClr val="accent1"/>
+            </a:effectRef>
+            <a:fontRef idx="minor">
+              <a:schemeClr val="tx1"/>
+            </a:fontRef>
+          </p:style>
+        </p:cxnSp>
+        <p:cxnSp>
+          <p:nvCxnSpPr>
+            <p:cNvPr id="16" name="直接箭头连接符 15"/>
+            <p:cNvCxnSpPr>
+              <a:stCxn id="7" idx="2"/>
+              <a:endCxn id="8" idx="0"/>
+            </p:cNvCxnSpPr>
+            <p:nvPr/>
+          </p:nvCxnSpPr>
+          <p:spPr>
+            <a:xfrm rot="5400000">
+              <a:off x="5000628" y="3286124"/>
+              <a:ext cx="285752" cy="1588"/>
+            </a:xfrm>
+            <a:prstGeom prst="straightConnector1">
+              <a:avLst/>
+            </a:prstGeom>
+            <a:ln>
+              <a:tailEnd type="arrow"/>
+            </a:ln>
+          </p:spPr>
+          <p:style>
+            <a:lnRef idx="1">
+              <a:schemeClr val="accent1"/>
+            </a:lnRef>
+            <a:fillRef idx="0">
+              <a:schemeClr val="accent1"/>
+            </a:fillRef>
+            <a:effectRef idx="0">
+              <a:schemeClr val="accent1"/>
+            </a:effectRef>
+            <a:fontRef idx="minor">
+              <a:schemeClr val="tx1"/>
+            </a:fontRef>
+          </p:style>
+        </p:cxnSp>
+        <p:cxnSp>
+          <p:nvCxnSpPr>
+            <p:cNvPr id="17" name="直接箭头连接符 16"/>
+            <p:cNvCxnSpPr>
+              <a:stCxn id="8" idx="2"/>
+              <a:endCxn id="9" idx="0"/>
+            </p:cNvCxnSpPr>
+            <p:nvPr/>
+          </p:nvCxnSpPr>
+          <p:spPr>
+            <a:xfrm rot="5400000">
+              <a:off x="5000628" y="4143380"/>
+              <a:ext cx="285752" cy="1588"/>
+            </a:xfrm>
+            <a:prstGeom prst="straightConnector1">
+              <a:avLst/>
+            </a:prstGeom>
+            <a:ln>
+              <a:tailEnd type="arrow"/>
+            </a:ln>
+          </p:spPr>
+          <p:style>
+            <a:lnRef idx="1">
+              <a:schemeClr val="accent1"/>
+            </a:lnRef>
+            <a:fillRef idx="0">
+              <a:schemeClr val="accent1"/>
+            </a:fillRef>
+            <a:effectRef idx="0">
+              <a:schemeClr val="accent1"/>
+            </a:effectRef>
+            <a:fontRef idx="minor">
+              <a:schemeClr val="tx1"/>
+            </a:fontRef>
+          </p:style>
+        </p:cxnSp>
+        <p:cxnSp>
+          <p:nvCxnSpPr>
+            <p:cNvPr id="18" name="直接箭头连接符 17"/>
+            <p:cNvCxnSpPr>
+              <a:stCxn id="9" idx="2"/>
+              <a:endCxn id="10" idx="0"/>
+            </p:cNvCxnSpPr>
+            <p:nvPr/>
+          </p:nvCxnSpPr>
+          <p:spPr>
+            <a:xfrm rot="5400000">
+              <a:off x="5000628" y="5000636"/>
+              <a:ext cx="285752" cy="1588"/>
+            </a:xfrm>
+            <a:prstGeom prst="straightConnector1">
+              <a:avLst/>
+            </a:prstGeom>
+            <a:ln>
+              <a:tailEnd type="arrow"/>
+            </a:ln>
+          </p:spPr>
+          <p:style>
+            <a:lnRef idx="1">
+              <a:schemeClr val="accent1"/>
+            </a:lnRef>
+            <a:fillRef idx="0">
+              <a:schemeClr val="accent1"/>
+            </a:fillRef>
+            <a:effectRef idx="0">
+              <a:schemeClr val="accent1"/>
+            </a:effectRef>
+            <a:fontRef idx="minor">
+              <a:schemeClr val="tx1"/>
+            </a:fontRef>
+          </p:style>
+        </p:cxnSp>
+        <p:cxnSp>
+          <p:nvCxnSpPr>
+            <p:cNvPr id="19" name="直接箭头连接符 18"/>
+            <p:cNvCxnSpPr>
+              <a:stCxn id="10" idx="2"/>
+              <a:endCxn id="11" idx="0"/>
+            </p:cNvCxnSpPr>
+            <p:nvPr/>
+          </p:nvCxnSpPr>
+          <p:spPr>
+            <a:xfrm rot="5400000">
+              <a:off x="5000628" y="5857892"/>
+              <a:ext cx="285752" cy="1588"/>
+            </a:xfrm>
+            <a:prstGeom prst="straightConnector1">
+              <a:avLst/>
+            </a:prstGeom>
+            <a:ln>
+              <a:tailEnd type="arrow"/>
+            </a:ln>
+          </p:spPr>
+          <p:style>
+            <a:lnRef idx="1">
+              <a:schemeClr val="accent1"/>
+            </a:lnRef>
+            <a:fillRef idx="0">
+              <a:schemeClr val="accent1"/>
+            </a:fillRef>
+            <a:effectRef idx="0">
+              <a:schemeClr val="accent1"/>
+            </a:effectRef>
+            <a:fontRef idx="minor">
+              <a:schemeClr val="tx1"/>
+            </a:fontRef>
+          </p:style>
+        </p:cxnSp>
+        <p:sp>
+          <p:nvSpPr>
+            <p:cNvPr id="20" name="圆角矩形 19"/>
+            <p:cNvSpPr/>
+            <p:nvPr/>
+          </p:nvSpPr>
+          <p:spPr>
+            <a:xfrm>
+              <a:off x="7215206" y="2357430"/>
+              <a:ext cx="1643074" cy="1000132"/>
+            </a:xfrm>
+            <a:prstGeom prst="roundRect">
+              <a:avLst/>
+            </a:prstGeom>
+          </p:spPr>
+          <p:style>
+            <a:lnRef idx="1">
+              <a:schemeClr val="accent5"/>
+            </a:lnRef>
+            <a:fillRef idx="3">
+              <a:schemeClr val="accent5"/>
+            </a:fillRef>
+            <a:effectRef idx="2">
+              <a:schemeClr val="accent5"/>
+            </a:effectRef>
+            <a:fontRef idx="minor">
+              <a:schemeClr val="lt1"/>
+            </a:fontRef>
+          </p:style>
+          <p:txBody>
+            <a:bodyPr rtlCol="0" anchor="ctr"/>
+            <a:lstStyle/>
+            <a:p>
+              <a:pPr algn="ctr"/>
+              <a:r>
+                <a:rPr lang="en-US" altLang="zh-CN" dirty="0" smtClean="0"/>
+                <a:t>Offline System</a:t>
+              </a:r>
+              <a:endParaRPr lang="zh-CN" altLang="en-US" dirty="0"/>
+            </a:p>
+          </p:txBody>
+        </p:sp>
+        <p:cxnSp>
+          <p:nvCxnSpPr>
+            <p:cNvPr id="21" name="形状 20"/>
+            <p:cNvCxnSpPr>
+              <a:stCxn id="11" idx="1"/>
+              <a:endCxn id="23" idx="2"/>
+            </p:cNvCxnSpPr>
+            <p:nvPr/>
+          </p:nvCxnSpPr>
+          <p:spPr>
+            <a:xfrm rot="10800000">
+              <a:off x="2750332" y="5643578"/>
+              <a:ext cx="1393041" cy="642942"/>
+            </a:xfrm>
+            <a:prstGeom prst="bentConnector2">
+              <a:avLst/>
+            </a:prstGeom>
+            <a:ln>
+              <a:tailEnd type="arrow"/>
+            </a:ln>
+          </p:spPr>
+          <p:style>
+            <a:lnRef idx="1">
+              <a:schemeClr val="accent1"/>
+            </a:lnRef>
+            <a:fillRef idx="0">
+              <a:schemeClr val="accent1"/>
+            </a:fillRef>
+            <a:effectRef idx="0">
+              <a:schemeClr val="accent1"/>
+            </a:effectRef>
+            <a:fontRef idx="minor">
+              <a:schemeClr val="tx1"/>
+            </a:fontRef>
+          </p:style>
+        </p:cxnSp>
+        <p:cxnSp>
+          <p:nvCxnSpPr>
+            <p:cNvPr id="22" name="直接箭头连接符 21"/>
+            <p:cNvCxnSpPr>
+              <a:stCxn id="20" idx="1"/>
+              <a:endCxn id="7" idx="3"/>
+            </p:cNvCxnSpPr>
+            <p:nvPr/>
+          </p:nvCxnSpPr>
+          <p:spPr>
+            <a:xfrm rot="10800000">
+              <a:off x="6143636" y="2857496"/>
+              <a:ext cx="1071570" cy="1588"/>
+            </a:xfrm>
+            <a:prstGeom prst="straightConnector1">
+              <a:avLst/>
+            </a:prstGeom>
+            <a:ln>
+              <a:tailEnd type="arrow"/>
+            </a:ln>
+          </p:spPr>
+          <p:style>
+            <a:lnRef idx="1">
+              <a:schemeClr val="accent1"/>
+            </a:lnRef>
+            <a:fillRef idx="0">
+              <a:schemeClr val="accent1"/>
+            </a:fillRef>
+            <a:effectRef idx="0">
+              <a:schemeClr val="accent1"/>
+            </a:effectRef>
+            <a:fontRef idx="minor">
+              <a:schemeClr val="tx1"/>
+            </a:fontRef>
+          </p:style>
+        </p:cxnSp>
+        <p:sp>
+          <p:nvSpPr>
+            <p:cNvPr id="23" name="圆角矩形 22"/>
+            <p:cNvSpPr/>
+            <p:nvPr/>
+          </p:nvSpPr>
+          <p:spPr>
+            <a:xfrm>
+              <a:off x="1928794" y="4572008"/>
+              <a:ext cx="1643074" cy="1071570"/>
+            </a:xfrm>
+            <a:prstGeom prst="roundRect">
+              <a:avLst/>
+            </a:prstGeom>
+          </p:spPr>
+          <p:style>
+            <a:lnRef idx="1">
+              <a:schemeClr val="accent4"/>
+            </a:lnRef>
+            <a:fillRef idx="3">
+              <a:schemeClr val="accent4"/>
+            </a:fillRef>
+            <a:effectRef idx="2">
+              <a:schemeClr val="accent4"/>
+            </a:effectRef>
+            <a:fontRef idx="minor">
+              <a:schemeClr val="lt1"/>
+            </a:fontRef>
+          </p:style>
+          <p:txBody>
+            <a:bodyPr rtlCol="0" anchor="ctr"/>
+            <a:lstStyle/>
+            <a:p>
+              <a:pPr algn="ctr"/>
+              <a:r>
+                <a:rPr lang="en-US" altLang="zh-CN" dirty="0" smtClean="0"/>
+                <a:t>Site</a:t>
+              </a:r>
+              <a:endParaRPr lang="zh-CN" altLang="en-US" dirty="0"/>
+            </a:p>
+          </p:txBody>
+        </p:sp>
+        <p:cxnSp>
+          <p:nvCxnSpPr>
+            <p:cNvPr id="24" name="直接箭头连接符 23"/>
+            <p:cNvCxnSpPr>
+              <a:stCxn id="23" idx="0"/>
+              <a:endCxn id="12" idx="2"/>
+            </p:cNvCxnSpPr>
+            <p:nvPr/>
+          </p:nvCxnSpPr>
+          <p:spPr>
+            <a:xfrm rot="5400000" flipH="1" flipV="1">
+              <a:off x="2500298" y="4321975"/>
+              <a:ext cx="500066" cy="1588"/>
+            </a:xfrm>
+            <a:prstGeom prst="straightConnector1">
+              <a:avLst/>
+            </a:prstGeom>
+            <a:ln>
+              <a:tailEnd type="arrow"/>
+            </a:ln>
+          </p:spPr>
+          <p:style>
+            <a:lnRef idx="1">
+              <a:schemeClr val="accent1"/>
+            </a:lnRef>
+            <a:fillRef idx="0">
+              <a:schemeClr val="accent1"/>
+            </a:fillRef>
+            <a:effectRef idx="0">
+              <a:schemeClr val="accent1"/>
+            </a:effectRef>
+            <a:fontRef idx="minor">
+              <a:schemeClr val="tx1"/>
+            </a:fontRef>
+          </p:style>
+        </p:cxnSp>
+        <p:sp>
+          <p:nvSpPr>
+            <p:cNvPr id="25" name="矩形 24"/>
+            <p:cNvSpPr/>
+            <p:nvPr/>
+          </p:nvSpPr>
+          <p:spPr>
+            <a:xfrm>
+              <a:off x="357158" y="1500174"/>
+              <a:ext cx="1143008" cy="428628"/>
+            </a:xfrm>
+            <a:prstGeom prst="rect">
+              <a:avLst/>
+            </a:prstGeom>
+            <a:solidFill>
+              <a:schemeClr val="tx2">
+                <a:lumMod val="60000"/>
+                <a:lumOff val="40000"/>
+              </a:schemeClr>
+            </a:solidFill>
+          </p:spPr>
+          <p:style>
+            <a:lnRef idx="1">
+              <a:schemeClr val="accent1"/>
+            </a:lnRef>
+            <a:fillRef idx="3">
+              <a:schemeClr val="accent1"/>
+            </a:fillRef>
+            <a:effectRef idx="2">
+              <a:schemeClr val="accent1"/>
+            </a:effectRef>
+            <a:fontRef idx="minor">
+              <a:schemeClr val="lt1"/>
+            </a:fontRef>
+          </p:style>
+          <p:txBody>
+            <a:bodyPr rtlCol="0" anchor="ctr"/>
+            <a:lstStyle/>
+            <a:p>
+              <a:pPr algn="ctr"/>
+              <a:r>
+                <a:rPr lang="en-US" altLang="zh-CN" dirty="0" smtClean="0"/>
+                <a:t>vote</a:t>
+              </a:r>
+              <a:endParaRPr lang="zh-CN" altLang="en-US" dirty="0"/>
+            </a:p>
+          </p:txBody>
+        </p:sp>
+        <p:sp>
+          <p:nvSpPr>
+            <p:cNvPr id="26" name="矩形 25"/>
+            <p:cNvSpPr/>
+            <p:nvPr/>
+          </p:nvSpPr>
+          <p:spPr>
+            <a:xfrm>
+              <a:off x="357158" y="2143116"/>
+              <a:ext cx="1143008" cy="428628"/>
+            </a:xfrm>
+            <a:prstGeom prst="rect">
+              <a:avLst/>
+            </a:prstGeom>
+            <a:solidFill>
+              <a:schemeClr val="tx2">
+                <a:lumMod val="60000"/>
+                <a:lumOff val="40000"/>
+              </a:schemeClr>
+            </a:solidFill>
+          </p:spPr>
+          <p:style>
+            <a:lnRef idx="1">
+              <a:schemeClr val="accent1"/>
+            </a:lnRef>
+            <a:fillRef idx="3">
+              <a:schemeClr val="accent1"/>
+            </a:fillRef>
+            <a:effectRef idx="2">
+              <a:schemeClr val="accent1"/>
+            </a:effectRef>
+            <a:fontRef idx="minor">
+              <a:schemeClr val="lt1"/>
+            </a:fontRef>
+          </p:style>
+          <p:txBody>
+            <a:bodyPr rtlCol="0" anchor="ctr"/>
+            <a:lstStyle/>
+            <a:p>
+              <a:pPr algn="ctr"/>
+              <a:r>
+                <a:rPr lang="en-US" altLang="zh-CN" dirty="0" smtClean="0"/>
+                <a:t>search</a:t>
+              </a:r>
+              <a:endParaRPr lang="zh-CN" altLang="en-US" dirty="0"/>
+            </a:p>
+          </p:txBody>
+        </p:sp>
+        <p:sp>
+          <p:nvSpPr>
+            <p:cNvPr id="27" name="矩形 26"/>
+            <p:cNvSpPr/>
+            <p:nvPr/>
+          </p:nvSpPr>
+          <p:spPr>
+            <a:xfrm>
+              <a:off x="357158" y="2786058"/>
+              <a:ext cx="1143008" cy="428628"/>
+            </a:xfrm>
+            <a:prstGeom prst="rect">
+              <a:avLst/>
+            </a:prstGeom>
+            <a:solidFill>
+              <a:schemeClr val="tx2">
+                <a:lumMod val="60000"/>
+                <a:lumOff val="40000"/>
+              </a:schemeClr>
+            </a:solidFill>
+          </p:spPr>
+          <p:style>
+            <a:lnRef idx="1">
+              <a:schemeClr val="accent1"/>
+            </a:lnRef>
+            <a:fillRef idx="3">
+              <a:schemeClr val="accent1"/>
+            </a:fillRef>
+            <a:effectRef idx="2">
+              <a:schemeClr val="accent1"/>
+            </a:effectRef>
+            <a:fontRef idx="minor">
+              <a:schemeClr val="lt1"/>
+            </a:fontRef>
+          </p:style>
+          <p:txBody>
+            <a:bodyPr rtlCol="0" anchor="ctr"/>
+            <a:lstStyle/>
+            <a:p>
+              <a:pPr algn="ctr"/>
+              <a:r>
+                <a:rPr lang="en-US" altLang="zh-CN" dirty="0" smtClean="0"/>
+                <a:t>comment</a:t>
+              </a:r>
+              <a:endParaRPr lang="zh-CN" altLang="en-US" dirty="0"/>
+            </a:p>
+          </p:txBody>
+        </p:sp>
+        <p:cxnSp>
+          <p:nvCxnSpPr>
+            <p:cNvPr id="28" name="肘形连接符 27"/>
+            <p:cNvCxnSpPr>
+              <a:stCxn id="5" idx="2"/>
+              <a:endCxn id="25" idx="3"/>
+            </p:cNvCxnSpPr>
+            <p:nvPr/>
+          </p:nvCxnSpPr>
+          <p:spPr>
+            <a:xfrm rot="10800000">
+              <a:off x="1500166" y="1714488"/>
+              <a:ext cx="571504" cy="285752"/>
+            </a:xfrm>
+            <a:prstGeom prst="bentConnector3">
+              <a:avLst>
+                <a:gd name="adj1" fmla="val 50000"/>
+              </a:avLst>
+            </a:prstGeom>
+            <a:ln>
+              <a:prstDash val="dash"/>
+              <a:tailEnd type="arrow"/>
+            </a:ln>
+          </p:spPr>
+          <p:style>
+            <a:lnRef idx="1">
+              <a:schemeClr val="accent1"/>
+            </a:lnRef>
+            <a:fillRef idx="0">
+              <a:schemeClr val="accent1"/>
+            </a:fillRef>
+            <a:effectRef idx="0">
+              <a:schemeClr val="accent1"/>
+            </a:effectRef>
+            <a:fontRef idx="minor">
+              <a:schemeClr val="tx1"/>
+            </a:fontRef>
+          </p:style>
+        </p:cxnSp>
+        <p:cxnSp>
+          <p:nvCxnSpPr>
+            <p:cNvPr id="29" name="肘形连接符 28"/>
+            <p:cNvCxnSpPr>
+              <a:stCxn id="5" idx="2"/>
+              <a:endCxn id="26" idx="3"/>
+            </p:cNvCxnSpPr>
+            <p:nvPr/>
+          </p:nvCxnSpPr>
+          <p:spPr>
+            <a:xfrm rot="10800000" flipV="1">
+              <a:off x="1500166" y="2000240"/>
+              <a:ext cx="571504" cy="357190"/>
+            </a:xfrm>
+            <a:prstGeom prst="bentConnector3">
+              <a:avLst>
+                <a:gd name="adj1" fmla="val 50000"/>
+              </a:avLst>
+            </a:prstGeom>
+            <a:ln>
+              <a:prstDash val="dash"/>
+              <a:tailEnd type="arrow"/>
+            </a:ln>
+          </p:spPr>
+          <p:style>
+            <a:lnRef idx="1">
+              <a:schemeClr val="accent1"/>
+            </a:lnRef>
+            <a:fillRef idx="0">
+              <a:schemeClr val="accent1"/>
+            </a:fillRef>
+            <a:effectRef idx="0">
+              <a:schemeClr val="accent1"/>
+            </a:effectRef>
+            <a:fontRef idx="minor">
+              <a:schemeClr val="tx1"/>
+            </a:fontRef>
+          </p:style>
+        </p:cxnSp>
+        <p:cxnSp>
+          <p:nvCxnSpPr>
+            <p:cNvPr id="30" name="肘形连接符 29"/>
+            <p:cNvCxnSpPr>
+              <a:stCxn id="5" idx="2"/>
+              <a:endCxn id="27" idx="3"/>
+            </p:cNvCxnSpPr>
+            <p:nvPr/>
+          </p:nvCxnSpPr>
+          <p:spPr>
+            <a:xfrm rot="10800000" flipV="1">
+              <a:off x="1500166" y="2000240"/>
+              <a:ext cx="571504" cy="1000132"/>
+            </a:xfrm>
+            <a:prstGeom prst="bentConnector3">
+              <a:avLst>
+                <a:gd name="adj1" fmla="val 50000"/>
+              </a:avLst>
+            </a:prstGeom>
+            <a:ln>
+              <a:prstDash val="dash"/>
+              <a:tailEnd type="arrow"/>
+            </a:ln>
+          </p:spPr>
+          <p:style>
+            <a:lnRef idx="1">
+              <a:schemeClr val="accent1"/>
+            </a:lnRef>
+            <a:fillRef idx="0">
+              <a:schemeClr val="accent1"/>
+            </a:fillRef>
+            <a:effectRef idx="0">
+              <a:schemeClr val="accent1"/>
+            </a:effectRef>
+            <a:fontRef idx="minor">
+              <a:schemeClr val="tx1"/>
+            </a:fontRef>
+          </p:style>
+        </p:cxnSp>
+      </p:grpSp>
     </p:spTree>
   </p:cSld>
   <p:clrMapOvr>

--- a/trunk/doc/RecULike.pptx
+++ b/trunk/doc/RecULike.pptx
@@ -14,6 +14,7 @@
     <p:sldId id="262" r:id="rId8"/>
     <p:sldId id="263" r:id="rId9"/>
     <p:sldId id="264" r:id="rId10"/>
+    <p:sldId id="265" r:id="rId11"/>
   </p:sldIdLst>
   <p:sldSz cx="9144000" cy="6858000" type="screen4x3"/>
   <p:notesSz cx="6858000" cy="9144000"/>
@@ -3120,6 +3121,69 @@
               <a:t>Researcher@Hulu</a:t>
             </a:r>
             <a:endParaRPr lang="en-US" altLang="zh-CN" dirty="0" smtClean="0"/>
+          </a:p>
+        </p:txBody>
+      </p:sp>
+    </p:spTree>
+  </p:cSld>
+  <p:clrMapOvr>
+    <a:masterClrMapping/>
+  </p:clrMapOvr>
+</p:sld>
+</file>
+
+<file path=ppt/slides/slide10.xml><?xml version="1.0" encoding="utf-8"?>
+<p:sld xmlns:a="http://schemas.openxmlformats.org/drawingml/2006/main" xmlns:r="http://schemas.openxmlformats.org/officeDocument/2006/relationships" xmlns:p="http://schemas.openxmlformats.org/presentationml/2006/main">
+  <p:cSld>
+    <p:spTree>
+      <p:nvGrpSpPr>
+        <p:cNvPr id="1" name=""/>
+        <p:cNvGrpSpPr/>
+        <p:nvPr/>
+      </p:nvGrpSpPr>
+      <p:grpSpPr>
+        <a:xfrm>
+          <a:off x="0" y="0"/>
+          <a:ext cx="0" cy="0"/>
+          <a:chOff x="0" y="0"/>
+          <a:chExt cx="0" cy="0"/>
+        </a:xfrm>
+      </p:grpSpPr>
+      <p:sp>
+        <p:nvSpPr>
+          <p:cNvPr id="2" name="标题 1"/>
+          <p:cNvSpPr>
+            <a:spLocks noGrp="1"/>
+          </p:cNvSpPr>
+          <p:nvPr>
+            <p:ph type="title"/>
+          </p:nvPr>
+        </p:nvSpPr>
+        <p:spPr/>
+        <p:txBody>
+          <a:bodyPr/>
+          <a:lstStyle/>
+          <a:p>
+            <a:endParaRPr lang="zh-CN" altLang="en-US"/>
+          </a:p>
+        </p:txBody>
+      </p:sp>
+      <p:sp>
+        <p:nvSpPr>
+          <p:cNvPr id="3" name="内容占位符 2"/>
+          <p:cNvSpPr>
+            <a:spLocks noGrp="1"/>
+          </p:cNvSpPr>
+          <p:nvPr>
+            <p:ph idx="1"/>
+          </p:nvPr>
+        </p:nvSpPr>
+        <p:spPr/>
+        <p:txBody>
+          <a:bodyPr/>
+          <a:lstStyle/>
+          <a:p>
+            <a:endParaRPr lang="zh-CN" altLang="en-US"/>
           </a:p>
         </p:txBody>
       </p:sp>
